--- a/Documentação/Apresentação- Plant.ai-2s.pptx
+++ b/Documentação/Apresentação- Plant.ai-2s.pptx
@@ -9,6 +9,10 @@
     <p:sldId id="258" r:id="rId3"/>
     <p:sldId id="259" r:id="rId4"/>
     <p:sldId id="260" r:id="rId5"/>
+    <p:sldId id="261" r:id="rId6"/>
+    <p:sldId id="262" r:id="rId7"/>
+    <p:sldId id="263" r:id="rId8"/>
+    <p:sldId id="264" r:id="rId9"/>
   </p:sldIdLst>
   <p:sldSz cx="12192000" cy="6858000"/>
   <p:notesSz cx="6858000" cy="9144000"/>
@@ -107,6 +111,11 @@
       </a:defRPr>
     </a:lvl9pPr>
   </p:defaultTextStyle>
+  <p:extLst>
+    <p:ext uri="{EFAFB233-063F-42B5-8137-9DF3F51BA10A}">
+      <p15:sldGuideLst xmlns:p15="http://schemas.microsoft.com/office/powerpoint/2012/main"/>
+    </p:ext>
+  </p:extLst>
 </p:presentation>
 </file>
 
@@ -290,7 +299,7 @@
                 <a:tabLst/>
                 <a:defRPr/>
               </a:pPr>
-              <a:t>17/10/2019</a:t>
+              <a:t>18/10/2019</a:t>
             </a:fld>
             <a:endParaRPr kumimoji="0" lang="pt-BR" sz="1200" b="0" i="0" u="none" strike="noStrike" kern="1200" cap="none" spc="0" normalizeH="0" baseline="0" noProof="0">
               <a:ln>
@@ -620,7 +629,7 @@
                 <a:tabLst/>
                 <a:defRPr/>
               </a:pPr>
-              <a:t>17/10/2019</a:t>
+              <a:t>18/10/2019</a:t>
             </a:fld>
             <a:endParaRPr kumimoji="0" lang="pt-BR" sz="1200" b="0" i="0" u="none" strike="noStrike" kern="1200" cap="none" spc="0" normalizeH="0" baseline="0" noProof="0">
               <a:ln>
@@ -960,7 +969,7 @@
                 <a:tabLst/>
                 <a:defRPr/>
               </a:pPr>
-              <a:t>17/10/2019</a:t>
+              <a:t>18/10/2019</a:t>
             </a:fld>
             <a:endParaRPr kumimoji="0" lang="pt-BR" sz="1200" b="0" i="0" u="none" strike="noStrike" kern="1200" cap="none" spc="0" normalizeH="0" baseline="0" noProof="0">
               <a:ln>
@@ -1290,7 +1299,7 @@
                 <a:tabLst/>
                 <a:defRPr/>
               </a:pPr>
-              <a:t>17/10/2019</a:t>
+              <a:t>18/10/2019</a:t>
             </a:fld>
             <a:endParaRPr kumimoji="0" lang="pt-BR" sz="1200" b="0" i="0" u="none" strike="noStrike" kern="1200" cap="none" spc="0" normalizeH="0" baseline="0" noProof="0">
               <a:ln>
@@ -1696,7 +1705,7 @@
                 <a:tabLst/>
                 <a:defRPr/>
               </a:pPr>
-              <a:t>17/10/2019</a:t>
+              <a:t>18/10/2019</a:t>
             </a:fld>
             <a:endParaRPr kumimoji="0" lang="pt-BR" sz="1200" b="0" i="0" u="none" strike="noStrike" kern="1200" cap="none" spc="0" normalizeH="0" baseline="0" noProof="0">
               <a:ln>
@@ -2088,7 +2097,7 @@
                 <a:tabLst/>
                 <a:defRPr/>
               </a:pPr>
-              <a:t>17/10/2019</a:t>
+              <a:t>18/10/2019</a:t>
             </a:fld>
             <a:endParaRPr kumimoji="0" lang="pt-BR" sz="1200" b="0" i="0" u="none" strike="noStrike" kern="1200" cap="none" spc="0" normalizeH="0" baseline="0" noProof="0">
               <a:ln>
@@ -2615,7 +2624,7 @@
                 <a:tabLst/>
                 <a:defRPr/>
               </a:pPr>
-              <a:t>17/10/2019</a:t>
+              <a:t>18/10/2019</a:t>
             </a:fld>
             <a:endParaRPr kumimoji="0" lang="pt-BR" sz="1200" b="0" i="0" u="none" strike="noStrike" kern="1200" cap="none" spc="0" normalizeH="0" baseline="0" noProof="0">
               <a:ln>
@@ -2893,7 +2902,7 @@
                 <a:tabLst/>
                 <a:defRPr/>
               </a:pPr>
-              <a:t>17/10/2019</a:t>
+              <a:t>18/10/2019</a:t>
             </a:fld>
             <a:endParaRPr kumimoji="0" lang="pt-BR" sz="1200" b="0" i="0" u="none" strike="noStrike" kern="1200" cap="none" spc="0" normalizeH="0" baseline="0" noProof="0">
               <a:ln>
@@ -3148,7 +3157,7 @@
                 <a:tabLst/>
                 <a:defRPr/>
               </a:pPr>
-              <a:t>17/10/2019</a:t>
+              <a:t>18/10/2019</a:t>
             </a:fld>
             <a:endParaRPr kumimoji="0" lang="pt-BR" sz="1200" b="0" i="0" u="none" strike="noStrike" kern="1200" cap="none" spc="0" normalizeH="0" baseline="0" noProof="0">
               <a:ln>
@@ -3585,7 +3594,7 @@
                 <a:tabLst/>
                 <a:defRPr/>
               </a:pPr>
-              <a:t>17/10/2019</a:t>
+              <a:t>18/10/2019</a:t>
             </a:fld>
             <a:endParaRPr kumimoji="0" lang="pt-BR" sz="1200" b="0" i="0" u="none" strike="noStrike" kern="1200" cap="none" spc="0" normalizeH="0" baseline="0" noProof="0">
               <a:ln>
@@ -3998,7 +4007,7 @@
                 <a:tabLst/>
                 <a:defRPr/>
               </a:pPr>
-              <a:t>17/10/2019</a:t>
+              <a:t>18/10/2019</a:t>
             </a:fld>
             <a:endParaRPr kumimoji="0" lang="pt-BR" sz="1200" b="0" i="0" u="none" strike="noStrike" kern="1200" cap="none" spc="0" normalizeH="0" baseline="0" noProof="0">
               <a:ln>
@@ -4392,7 +4401,7 @@
                 <a:tabLst/>
                 <a:defRPr/>
               </a:pPr>
-              <a:t>17/10/2019</a:t>
+              <a:t>18/10/2019</a:t>
             </a:fld>
             <a:endParaRPr kumimoji="0" lang="pt-BR" sz="1200" b="0" i="0" u="none" strike="noStrike" kern="1200" cap="none" spc="0" normalizeH="0" baseline="0" noProof="0">
               <a:ln>
@@ -5086,12 +5095,6 @@
               </a:rPr>
               <a:t>Diogo lima</a:t>
             </a:r>
-            <a:endParaRPr lang="pt-BR" sz="3600" dirty="0" smtClean="0">
-              <a:solidFill>
-                <a:schemeClr val="accent1"/>
-              </a:solidFill>
-              <a:latin typeface="Bauhaus 93" panose="04030905020B02020C02" pitchFamily="82" charset="0"/>
-            </a:endParaRPr>
           </a:p>
           <a:p>
             <a:r>
@@ -5140,12 +5143,6 @@
               </a:rPr>
               <a:t>Wellington Macena</a:t>
             </a:r>
-            <a:endParaRPr lang="pt-BR" sz="3600" dirty="0" smtClean="0">
-              <a:solidFill>
-                <a:schemeClr val="accent1"/>
-              </a:solidFill>
-              <a:latin typeface="Bauhaus 93" panose="04030905020B02020C02" pitchFamily="82" charset="0"/>
-            </a:endParaRPr>
           </a:p>
           <a:p>
             <a:endParaRPr lang="pt-BR" sz="3600" dirty="0" smtClean="0">
@@ -5385,10 +5382,15 @@
             <p:ph idx="1"/>
           </p:nvPr>
         </p:nvSpPr>
-        <p:spPr/>
+        <p:spPr>
+          <a:xfrm>
+            <a:off x="838200" y="1528355"/>
+            <a:ext cx="10515600" cy="5329646"/>
+          </a:xfrm>
+        </p:spPr>
         <p:txBody>
           <a:bodyPr>
-            <a:normAutofit fontScale="92500" lnSpcReduction="10000"/>
+            <a:normAutofit/>
           </a:bodyPr>
           <a:lstStyle/>
           <a:p>
@@ -5400,14 +5402,32 @@
           <a:p>
             <a:r>
               <a:rPr lang="pt-BR" dirty="0"/>
-              <a:t>Tendo isso em mente nós da Plant.ai ajudamos a monitorar e conhecer a planta do </a:t>
+              <a:t>Tendo isso em </a:t>
             </a:r>
             <a:r>
               <a:rPr lang="pt-BR" dirty="0" smtClean="0"/>
-              <a:t>usuário usando a seguintes tecnologias:</a:t>
-            </a:r>
-          </a:p>
-          <a:p>
+              <a:t>mente, </a:t>
+            </a:r>
+            <a:r>
+              <a:rPr lang="pt-BR" dirty="0"/>
+              <a:t>nós da Plant.ai </a:t>
+            </a:r>
+            <a:r>
+              <a:rPr lang="pt-BR" dirty="0" smtClean="0"/>
+              <a:t>iremos monitorar e disponibilizar as informações sobre a planta </a:t>
+            </a:r>
+            <a:r>
+              <a:rPr lang="pt-BR" dirty="0"/>
+              <a:t>do </a:t>
+            </a:r>
+            <a:r>
+              <a:rPr lang="pt-BR" dirty="0" smtClean="0"/>
+              <a:t>usuário usando a seguintes tecnologias</a:t>
+            </a:r>
+            <a:r>
+              <a:rPr lang="pt-BR" dirty="0" smtClean="0"/>
+              <a:t>:</a:t>
+            </a:r>
             <a:endParaRPr lang="pt-BR" dirty="0" smtClean="0"/>
           </a:p>
           <a:p>
@@ -5453,25 +5473,6 @@
             </a:r>
           </a:p>
           <a:p>
-            <a:r>
-              <a:rPr lang="pt-BR" dirty="0" smtClean="0"/>
-              <a:t> Para monitorar </a:t>
-            </a:r>
-            <a:r>
-              <a:rPr lang="pt-BR" dirty="0"/>
-              <a:t>o estado da planta podendo </a:t>
-            </a:r>
-            <a:r>
-              <a:rPr lang="pt-BR" dirty="0" smtClean="0"/>
-              <a:t>fornecendo informações sobre a planta que será disponibilizadas em nossa </a:t>
-            </a:r>
-            <a:r>
-              <a:rPr lang="pt-BR" dirty="0" err="1" smtClean="0"/>
-              <a:t>aplicaçãoes</a:t>
-            </a:r>
-            <a:endParaRPr lang="pt-BR" dirty="0"/>
-          </a:p>
-          <a:p>
             <a:endParaRPr lang="pt-BR" dirty="0"/>
           </a:p>
           <a:p>
@@ -5489,6 +5490,354 @@
     <p:extLst>
       <p:ext uri="{BB962C8B-B14F-4D97-AF65-F5344CB8AC3E}">
         <p14:creationId xmlns:p14="http://schemas.microsoft.com/office/powerpoint/2010/main" val="3434119524"/>
+      </p:ext>
+    </p:extLst>
+  </p:cSld>
+  <p:clrMapOvr>
+    <a:masterClrMapping/>
+  </p:clrMapOvr>
+</p:sld>
+</file>
+
+<file path=ppt/slides/slide5.xml><?xml version="1.0" encoding="utf-8"?>
+<p:sld xmlns:a="http://schemas.openxmlformats.org/drawingml/2006/main" xmlns:r="http://schemas.openxmlformats.org/officeDocument/2006/relationships" xmlns:p="http://schemas.openxmlformats.org/presentationml/2006/main">
+  <p:cSld>
+    <p:spTree>
+      <p:nvGrpSpPr>
+        <p:cNvPr id="1" name=""/>
+        <p:cNvGrpSpPr/>
+        <p:nvPr/>
+      </p:nvGrpSpPr>
+      <p:grpSpPr>
+        <a:xfrm>
+          <a:off x="0" y="0"/>
+          <a:ext cx="0" cy="0"/>
+          <a:chOff x="0" y="0"/>
+          <a:chExt cx="0" cy="0"/>
+        </a:xfrm>
+      </p:grpSpPr>
+      <p:sp>
+        <p:nvSpPr>
+          <p:cNvPr id="2" name="Título 1"/>
+          <p:cNvSpPr>
+            <a:spLocks noGrp="1"/>
+          </p:cNvSpPr>
+          <p:nvPr>
+            <p:ph type="title"/>
+          </p:nvPr>
+        </p:nvSpPr>
+        <p:spPr>
+          <a:xfrm>
+            <a:off x="1582783" y="169183"/>
+            <a:ext cx="9194074" cy="784406"/>
+          </a:xfrm>
+        </p:spPr>
+        <p:txBody>
+          <a:bodyPr/>
+          <a:lstStyle/>
+          <a:p>
+            <a:r>
+              <a:rPr lang="pt-BR" dirty="0" smtClean="0"/>
+              <a:t>Desenho de Solução</a:t>
+            </a:r>
+            <a:endParaRPr lang="pt-BR" dirty="0"/>
+          </a:p>
+        </p:txBody>
+      </p:sp>
+      <p:pic>
+        <p:nvPicPr>
+          <p:cNvPr id="4" name="Espaço Reservado para Conteúdo 3"/>
+          <p:cNvPicPr>
+            <a:picLocks noGrp="1" noChangeAspect="1"/>
+          </p:cNvPicPr>
+          <p:nvPr>
+            <p:ph idx="1"/>
+          </p:nvPr>
+        </p:nvPicPr>
+        <p:blipFill>
+          <a:blip r:embed="rId2">
+            <a:extLst>
+              <a:ext uri="{28A0092B-C50C-407E-A947-70E740481C1C}">
+                <a14:useLocalDpi xmlns:a14="http://schemas.microsoft.com/office/drawing/2010/main" val="0"/>
+              </a:ext>
+            </a:extLst>
+          </a:blip>
+          <a:stretch>
+            <a:fillRect/>
+          </a:stretch>
+        </p:blipFill>
+        <p:spPr>
+          <a:xfrm>
+            <a:off x="1880247" y="953588"/>
+            <a:ext cx="7485822" cy="5806377"/>
+          </a:xfrm>
+        </p:spPr>
+      </p:pic>
+    </p:spTree>
+    <p:extLst>
+      <p:ext uri="{BB962C8B-B14F-4D97-AF65-F5344CB8AC3E}">
+        <p14:creationId xmlns:p14="http://schemas.microsoft.com/office/powerpoint/2010/main" val="2372897882"/>
+      </p:ext>
+    </p:extLst>
+  </p:cSld>
+  <p:clrMapOvr>
+    <a:masterClrMapping/>
+  </p:clrMapOvr>
+</p:sld>
+</file>
+
+<file path=ppt/slides/slide6.xml><?xml version="1.0" encoding="utf-8"?>
+<p:sld xmlns:a="http://schemas.openxmlformats.org/drawingml/2006/main" xmlns:r="http://schemas.openxmlformats.org/officeDocument/2006/relationships" xmlns:p="http://schemas.openxmlformats.org/presentationml/2006/main">
+  <p:cSld>
+    <p:spTree>
+      <p:nvGrpSpPr>
+        <p:cNvPr id="1" name=""/>
+        <p:cNvGrpSpPr/>
+        <p:nvPr/>
+      </p:nvGrpSpPr>
+      <p:grpSpPr>
+        <a:xfrm>
+          <a:off x="0" y="0"/>
+          <a:ext cx="0" cy="0"/>
+          <a:chOff x="0" y="0"/>
+          <a:chExt cx="0" cy="0"/>
+        </a:xfrm>
+      </p:grpSpPr>
+      <p:sp>
+        <p:nvSpPr>
+          <p:cNvPr id="2" name="Título 1"/>
+          <p:cNvSpPr>
+            <a:spLocks noGrp="1"/>
+          </p:cNvSpPr>
+          <p:nvPr>
+            <p:ph type="title"/>
+          </p:nvPr>
+        </p:nvSpPr>
+        <p:spPr>
+          <a:xfrm>
+            <a:off x="2066109" y="260623"/>
+            <a:ext cx="6699069" cy="758280"/>
+          </a:xfrm>
+        </p:spPr>
+        <p:txBody>
+          <a:bodyPr>
+            <a:normAutofit/>
+          </a:bodyPr>
+          <a:lstStyle/>
+          <a:p>
+            <a:r>
+              <a:rPr lang="pt-BR" dirty="0" smtClean="0"/>
+              <a:t>Desenho Técnico de Solução</a:t>
+            </a:r>
+            <a:endParaRPr lang="pt-BR" dirty="0"/>
+          </a:p>
+        </p:txBody>
+      </p:sp>
+      <p:pic>
+        <p:nvPicPr>
+          <p:cNvPr id="5" name="Espaço Reservado para Conteúdo 4"/>
+          <p:cNvPicPr>
+            <a:picLocks noGrp="1" noChangeAspect="1"/>
+          </p:cNvPicPr>
+          <p:nvPr>
+            <p:ph idx="1"/>
+          </p:nvPr>
+        </p:nvPicPr>
+        <p:blipFill>
+          <a:blip r:embed="rId2">
+            <a:extLst>
+              <a:ext uri="{28A0092B-C50C-407E-A947-70E740481C1C}">
+                <a14:useLocalDpi xmlns:a14="http://schemas.microsoft.com/office/drawing/2010/main" val="0"/>
+              </a:ext>
+            </a:extLst>
+          </a:blip>
+          <a:stretch>
+            <a:fillRect/>
+          </a:stretch>
+        </p:blipFill>
+        <p:spPr>
+          <a:xfrm>
+            <a:off x="2066109" y="1018903"/>
+            <a:ext cx="7315592" cy="5546010"/>
+          </a:xfrm>
+        </p:spPr>
+      </p:pic>
+    </p:spTree>
+    <p:extLst>
+      <p:ext uri="{BB962C8B-B14F-4D97-AF65-F5344CB8AC3E}">
+        <p14:creationId xmlns:p14="http://schemas.microsoft.com/office/powerpoint/2010/main" val="1841750232"/>
+      </p:ext>
+    </p:extLst>
+  </p:cSld>
+  <p:clrMapOvr>
+    <a:masterClrMapping/>
+  </p:clrMapOvr>
+</p:sld>
+</file>
+
+<file path=ppt/slides/slide7.xml><?xml version="1.0" encoding="utf-8"?>
+<p:sld xmlns:a="http://schemas.openxmlformats.org/drawingml/2006/main" xmlns:r="http://schemas.openxmlformats.org/officeDocument/2006/relationships" xmlns:p="http://schemas.openxmlformats.org/presentationml/2006/main">
+  <p:cSld>
+    <p:spTree>
+      <p:nvGrpSpPr>
+        <p:cNvPr id="1" name=""/>
+        <p:cNvGrpSpPr/>
+        <p:nvPr/>
+      </p:nvGrpSpPr>
+      <p:grpSpPr>
+        <a:xfrm>
+          <a:off x="0" y="0"/>
+          <a:ext cx="0" cy="0"/>
+          <a:chOff x="0" y="0"/>
+          <a:chExt cx="0" cy="0"/>
+        </a:xfrm>
+      </p:grpSpPr>
+      <p:sp>
+        <p:nvSpPr>
+          <p:cNvPr id="2" name="Título 1"/>
+          <p:cNvSpPr>
+            <a:spLocks noGrp="1"/>
+          </p:cNvSpPr>
+          <p:nvPr>
+            <p:ph type="title"/>
+          </p:nvPr>
+        </p:nvSpPr>
+        <p:spPr>
+          <a:xfrm>
+            <a:off x="3868783" y="352063"/>
+            <a:ext cx="6699069" cy="758280"/>
+          </a:xfrm>
+        </p:spPr>
+        <p:txBody>
+          <a:bodyPr>
+            <a:normAutofit/>
+          </a:bodyPr>
+          <a:lstStyle/>
+          <a:p>
+            <a:r>
+              <a:rPr lang="pt-BR" dirty="0" err="1" smtClean="0"/>
+              <a:t>Backlog</a:t>
+            </a:r>
+            <a:endParaRPr lang="pt-BR" dirty="0"/>
+          </a:p>
+        </p:txBody>
+      </p:sp>
+      <p:sp>
+        <p:nvSpPr>
+          <p:cNvPr id="3" name="Espaço Reservado para Conteúdo 2"/>
+          <p:cNvSpPr>
+            <a:spLocks noGrp="1"/>
+          </p:cNvSpPr>
+          <p:nvPr>
+            <p:ph idx="1"/>
+          </p:nvPr>
+        </p:nvSpPr>
+        <p:spPr/>
+        <p:txBody>
+          <a:bodyPr/>
+          <a:lstStyle/>
+          <a:p>
+            <a:endParaRPr lang="pt-BR"/>
+          </a:p>
+        </p:txBody>
+      </p:sp>
+    </p:spTree>
+    <p:extLst>
+      <p:ext uri="{BB962C8B-B14F-4D97-AF65-F5344CB8AC3E}">
+        <p14:creationId xmlns:p14="http://schemas.microsoft.com/office/powerpoint/2010/main" val="1607867085"/>
+      </p:ext>
+    </p:extLst>
+  </p:cSld>
+  <p:clrMapOvr>
+    <a:masterClrMapping/>
+  </p:clrMapOvr>
+</p:sld>
+</file>
+
+<file path=ppt/slides/slide8.xml><?xml version="1.0" encoding="utf-8"?>
+<p:sld xmlns:a="http://schemas.openxmlformats.org/drawingml/2006/main" xmlns:r="http://schemas.openxmlformats.org/officeDocument/2006/relationships" xmlns:p="http://schemas.openxmlformats.org/presentationml/2006/main">
+  <p:cSld>
+    <p:spTree>
+      <p:nvGrpSpPr>
+        <p:cNvPr id="1" name=""/>
+        <p:cNvGrpSpPr/>
+        <p:nvPr/>
+      </p:nvGrpSpPr>
+      <p:grpSpPr>
+        <a:xfrm>
+          <a:off x="0" y="0"/>
+          <a:ext cx="0" cy="0"/>
+          <a:chOff x="0" y="0"/>
+          <a:chExt cx="0" cy="0"/>
+        </a:xfrm>
+      </p:grpSpPr>
+      <p:sp>
+        <p:nvSpPr>
+          <p:cNvPr id="2" name="Título 1"/>
+          <p:cNvSpPr>
+            <a:spLocks noGrp="1"/>
+          </p:cNvSpPr>
+          <p:nvPr>
+            <p:ph type="title"/>
+          </p:nvPr>
+        </p:nvSpPr>
+        <p:spPr>
+          <a:xfrm>
+            <a:off x="2876006" y="286750"/>
+            <a:ext cx="6699069" cy="758280"/>
+          </a:xfrm>
+        </p:spPr>
+        <p:txBody>
+          <a:bodyPr>
+            <a:normAutofit/>
+          </a:bodyPr>
+          <a:lstStyle/>
+          <a:p>
+            <a:r>
+              <a:rPr lang="pt-BR" dirty="0" smtClean="0"/>
+              <a:t>Sprint </a:t>
+            </a:r>
+            <a:r>
+              <a:rPr lang="pt-BR" dirty="0" err="1" smtClean="0"/>
+              <a:t>Backlog</a:t>
+            </a:r>
+            <a:endParaRPr lang="pt-BR" dirty="0"/>
+          </a:p>
+        </p:txBody>
+      </p:sp>
+      <p:pic>
+        <p:nvPicPr>
+          <p:cNvPr id="4" name="Espaço Reservado para Conteúdo 3"/>
+          <p:cNvPicPr>
+            <a:picLocks noGrp="1" noChangeAspect="1"/>
+          </p:cNvPicPr>
+          <p:nvPr>
+            <p:ph idx="1"/>
+          </p:nvPr>
+        </p:nvPicPr>
+        <p:blipFill>
+          <a:blip r:embed="rId2">
+            <a:extLst>
+              <a:ext uri="{28A0092B-C50C-407E-A947-70E740481C1C}">
+                <a14:useLocalDpi xmlns:a14="http://schemas.microsoft.com/office/drawing/2010/main" val="0"/>
+              </a:ext>
+            </a:extLst>
+          </a:blip>
+          <a:stretch>
+            <a:fillRect/>
+          </a:stretch>
+        </p:blipFill>
+        <p:spPr>
+          <a:xfrm>
+            <a:off x="1186881" y="1150738"/>
+            <a:ext cx="9283413" cy="5184747"/>
+          </a:xfrm>
+        </p:spPr>
+      </p:pic>
+    </p:spTree>
+    <p:extLst>
+      <p:ext uri="{BB962C8B-B14F-4D97-AF65-F5344CB8AC3E}">
+        <p14:creationId xmlns:p14="http://schemas.microsoft.com/office/powerpoint/2010/main" val="1289014963"/>
       </p:ext>
     </p:extLst>
   </p:cSld>

--- a/Documentação/Apresentação- Plant.ai-2s.pptx
+++ b/Documentação/Apresentação- Plant.ai-2s.pptx
@@ -11,8 +11,15 @@
     <p:sldId id="260" r:id="rId5"/>
     <p:sldId id="261" r:id="rId6"/>
     <p:sldId id="262" r:id="rId7"/>
-    <p:sldId id="263" r:id="rId8"/>
-    <p:sldId id="264" r:id="rId9"/>
+    <p:sldId id="264" r:id="rId8"/>
+    <p:sldId id="269" r:id="rId9"/>
+    <p:sldId id="268" r:id="rId10"/>
+    <p:sldId id="267" r:id="rId11"/>
+    <p:sldId id="266" r:id="rId12"/>
+    <p:sldId id="265" r:id="rId13"/>
+    <p:sldId id="271" r:id="rId14"/>
+    <p:sldId id="272" r:id="rId15"/>
+    <p:sldId id="270" r:id="rId16"/>
   </p:sldIdLst>
   <p:sldSz cx="12192000" cy="6858000"/>
   <p:notesSz cx="6858000" cy="9144000"/>
@@ -299,7 +306,7 @@
                 <a:tabLst/>
                 <a:defRPr/>
               </a:pPr>
-              <a:t>18/10/2019</a:t>
+              <a:t>20/10/2019</a:t>
             </a:fld>
             <a:endParaRPr kumimoji="0" lang="pt-BR" sz="1200" b="0" i="0" u="none" strike="noStrike" kern="1200" cap="none" spc="0" normalizeH="0" baseline="0" noProof="0">
               <a:ln>
@@ -629,7 +636,7 @@
                 <a:tabLst/>
                 <a:defRPr/>
               </a:pPr>
-              <a:t>18/10/2019</a:t>
+              <a:t>20/10/2019</a:t>
             </a:fld>
             <a:endParaRPr kumimoji="0" lang="pt-BR" sz="1200" b="0" i="0" u="none" strike="noStrike" kern="1200" cap="none" spc="0" normalizeH="0" baseline="0" noProof="0">
               <a:ln>
@@ -969,7 +976,7 @@
                 <a:tabLst/>
                 <a:defRPr/>
               </a:pPr>
-              <a:t>18/10/2019</a:t>
+              <a:t>20/10/2019</a:t>
             </a:fld>
             <a:endParaRPr kumimoji="0" lang="pt-BR" sz="1200" b="0" i="0" u="none" strike="noStrike" kern="1200" cap="none" spc="0" normalizeH="0" baseline="0" noProof="0">
               <a:ln>
@@ -1299,7 +1306,7 @@
                 <a:tabLst/>
                 <a:defRPr/>
               </a:pPr>
-              <a:t>18/10/2019</a:t>
+              <a:t>20/10/2019</a:t>
             </a:fld>
             <a:endParaRPr kumimoji="0" lang="pt-BR" sz="1200" b="0" i="0" u="none" strike="noStrike" kern="1200" cap="none" spc="0" normalizeH="0" baseline="0" noProof="0">
               <a:ln>
@@ -1705,7 +1712,7 @@
                 <a:tabLst/>
                 <a:defRPr/>
               </a:pPr>
-              <a:t>18/10/2019</a:t>
+              <a:t>20/10/2019</a:t>
             </a:fld>
             <a:endParaRPr kumimoji="0" lang="pt-BR" sz="1200" b="0" i="0" u="none" strike="noStrike" kern="1200" cap="none" spc="0" normalizeH="0" baseline="0" noProof="0">
               <a:ln>
@@ -2097,7 +2104,7 @@
                 <a:tabLst/>
                 <a:defRPr/>
               </a:pPr>
-              <a:t>18/10/2019</a:t>
+              <a:t>20/10/2019</a:t>
             </a:fld>
             <a:endParaRPr kumimoji="0" lang="pt-BR" sz="1200" b="0" i="0" u="none" strike="noStrike" kern="1200" cap="none" spc="0" normalizeH="0" baseline="0" noProof="0">
               <a:ln>
@@ -2624,7 +2631,7 @@
                 <a:tabLst/>
                 <a:defRPr/>
               </a:pPr>
-              <a:t>18/10/2019</a:t>
+              <a:t>20/10/2019</a:t>
             </a:fld>
             <a:endParaRPr kumimoji="0" lang="pt-BR" sz="1200" b="0" i="0" u="none" strike="noStrike" kern="1200" cap="none" spc="0" normalizeH="0" baseline="0" noProof="0">
               <a:ln>
@@ -2902,7 +2909,7 @@
                 <a:tabLst/>
                 <a:defRPr/>
               </a:pPr>
-              <a:t>18/10/2019</a:t>
+              <a:t>20/10/2019</a:t>
             </a:fld>
             <a:endParaRPr kumimoji="0" lang="pt-BR" sz="1200" b="0" i="0" u="none" strike="noStrike" kern="1200" cap="none" spc="0" normalizeH="0" baseline="0" noProof="0">
               <a:ln>
@@ -3157,7 +3164,7 @@
                 <a:tabLst/>
                 <a:defRPr/>
               </a:pPr>
-              <a:t>18/10/2019</a:t>
+              <a:t>20/10/2019</a:t>
             </a:fld>
             <a:endParaRPr kumimoji="0" lang="pt-BR" sz="1200" b="0" i="0" u="none" strike="noStrike" kern="1200" cap="none" spc="0" normalizeH="0" baseline="0" noProof="0">
               <a:ln>
@@ -3594,7 +3601,7 @@
                 <a:tabLst/>
                 <a:defRPr/>
               </a:pPr>
-              <a:t>18/10/2019</a:t>
+              <a:t>20/10/2019</a:t>
             </a:fld>
             <a:endParaRPr kumimoji="0" lang="pt-BR" sz="1200" b="0" i="0" u="none" strike="noStrike" kern="1200" cap="none" spc="0" normalizeH="0" baseline="0" noProof="0">
               <a:ln>
@@ -4007,7 +4014,7 @@
                 <a:tabLst/>
                 <a:defRPr/>
               </a:pPr>
-              <a:t>18/10/2019</a:t>
+              <a:t>20/10/2019</a:t>
             </a:fld>
             <a:endParaRPr kumimoji="0" lang="pt-BR" sz="1200" b="0" i="0" u="none" strike="noStrike" kern="1200" cap="none" spc="0" normalizeH="0" baseline="0" noProof="0">
               <a:ln>
@@ -4401,7 +4408,7 @@
                 <a:tabLst/>
                 <a:defRPr/>
               </a:pPr>
-              <a:t>18/10/2019</a:t>
+              <a:t>20/10/2019</a:t>
             </a:fld>
             <a:endParaRPr kumimoji="0" lang="pt-BR" sz="1200" b="0" i="0" u="none" strike="noStrike" kern="1200" cap="none" spc="0" normalizeH="0" baseline="0" noProof="0">
               <a:ln>
@@ -5007,6 +5014,616 @@
 </p:sld>
 </file>
 
+<file path=ppt/slides/slide10.xml><?xml version="1.0" encoding="utf-8"?>
+<p:sld xmlns:a="http://schemas.openxmlformats.org/drawingml/2006/main" xmlns:r="http://schemas.openxmlformats.org/officeDocument/2006/relationships" xmlns:p="http://schemas.openxmlformats.org/presentationml/2006/main">
+  <p:cSld>
+    <p:spTree>
+      <p:nvGrpSpPr>
+        <p:cNvPr id="1" name=""/>
+        <p:cNvGrpSpPr/>
+        <p:nvPr/>
+      </p:nvGrpSpPr>
+      <p:grpSpPr>
+        <a:xfrm>
+          <a:off x="0" y="0"/>
+          <a:ext cx="0" cy="0"/>
+          <a:chOff x="0" y="0"/>
+          <a:chExt cx="0" cy="0"/>
+        </a:xfrm>
+      </p:grpSpPr>
+      <p:sp>
+        <p:nvSpPr>
+          <p:cNvPr id="2" name="Título 1"/>
+          <p:cNvSpPr>
+            <a:spLocks noGrp="1"/>
+          </p:cNvSpPr>
+          <p:nvPr>
+            <p:ph type="title"/>
+          </p:nvPr>
+        </p:nvSpPr>
+        <p:spPr>
+          <a:xfrm>
+            <a:off x="2876006" y="286750"/>
+            <a:ext cx="6699069" cy="758280"/>
+          </a:xfrm>
+        </p:spPr>
+        <p:txBody>
+          <a:bodyPr>
+            <a:normAutofit/>
+          </a:bodyPr>
+          <a:lstStyle/>
+          <a:p>
+            <a:r>
+              <a:rPr lang="pt-BR" dirty="0" smtClean="0"/>
+              <a:t>Planilha de Risco</a:t>
+            </a:r>
+            <a:endParaRPr lang="pt-BR" dirty="0"/>
+          </a:p>
+        </p:txBody>
+      </p:sp>
+      <p:pic>
+        <p:nvPicPr>
+          <p:cNvPr id="5" name="Espaço Reservado para Conteúdo 4"/>
+          <p:cNvPicPr>
+            <a:picLocks noGrp="1" noChangeAspect="1"/>
+          </p:cNvPicPr>
+          <p:nvPr>
+            <p:ph idx="1"/>
+          </p:nvPr>
+        </p:nvPicPr>
+        <p:blipFill>
+          <a:blip r:embed="rId2">
+            <a:extLst>
+              <a:ext uri="{28A0092B-C50C-407E-A947-70E740481C1C}">
+                <a14:useLocalDpi xmlns:a14="http://schemas.microsoft.com/office/drawing/2010/main" val="0"/>
+              </a:ext>
+            </a:extLst>
+          </a:blip>
+          <a:stretch>
+            <a:fillRect/>
+          </a:stretch>
+        </p:blipFill>
+        <p:spPr>
+          <a:xfrm>
+            <a:off x="838200" y="2122356"/>
+            <a:ext cx="10515600" cy="3757875"/>
+          </a:xfrm>
+        </p:spPr>
+      </p:pic>
+    </p:spTree>
+    <p:extLst>
+      <p:ext uri="{BB962C8B-B14F-4D97-AF65-F5344CB8AC3E}">
+        <p14:creationId xmlns:p14="http://schemas.microsoft.com/office/powerpoint/2010/main" val="3175813436"/>
+      </p:ext>
+    </p:extLst>
+  </p:cSld>
+  <p:clrMapOvr>
+    <a:masterClrMapping/>
+  </p:clrMapOvr>
+  <p:timing>
+    <p:tnLst>
+      <p:par>
+        <p:cTn id="1" dur="indefinite" restart="never" nodeType="tmRoot"/>
+      </p:par>
+    </p:tnLst>
+  </p:timing>
+</p:sld>
+</file>
+
+<file path=ppt/slides/slide11.xml><?xml version="1.0" encoding="utf-8"?>
+<p:sld xmlns:a="http://schemas.openxmlformats.org/drawingml/2006/main" xmlns:r="http://schemas.openxmlformats.org/officeDocument/2006/relationships" xmlns:p="http://schemas.openxmlformats.org/presentationml/2006/main">
+  <p:cSld>
+    <p:spTree>
+      <p:nvGrpSpPr>
+        <p:cNvPr id="1" name=""/>
+        <p:cNvGrpSpPr/>
+        <p:nvPr/>
+      </p:nvGrpSpPr>
+      <p:grpSpPr>
+        <a:xfrm>
+          <a:off x="0" y="0"/>
+          <a:ext cx="0" cy="0"/>
+          <a:chOff x="0" y="0"/>
+          <a:chExt cx="0" cy="0"/>
+        </a:xfrm>
+      </p:grpSpPr>
+      <p:sp>
+        <p:nvSpPr>
+          <p:cNvPr id="2" name="Título 1"/>
+          <p:cNvSpPr>
+            <a:spLocks noGrp="1"/>
+          </p:cNvSpPr>
+          <p:nvPr>
+            <p:ph type="title"/>
+          </p:nvPr>
+        </p:nvSpPr>
+        <p:spPr>
+          <a:xfrm>
+            <a:off x="2876006" y="286750"/>
+            <a:ext cx="6699069" cy="758280"/>
+          </a:xfrm>
+        </p:spPr>
+        <p:txBody>
+          <a:bodyPr>
+            <a:normAutofit/>
+          </a:bodyPr>
+          <a:lstStyle/>
+          <a:p>
+            <a:r>
+              <a:rPr lang="pt-BR" dirty="0" err="1" smtClean="0"/>
+              <a:t>Git</a:t>
+            </a:r>
+            <a:r>
+              <a:rPr lang="pt-BR" dirty="0" smtClean="0"/>
+              <a:t> Hub</a:t>
+            </a:r>
+            <a:endParaRPr lang="pt-BR" dirty="0"/>
+          </a:p>
+        </p:txBody>
+      </p:sp>
+      <p:pic>
+        <p:nvPicPr>
+          <p:cNvPr id="5" name="Espaço Reservado para Conteúdo 4"/>
+          <p:cNvPicPr>
+            <a:picLocks noGrp="1" noChangeAspect="1"/>
+          </p:cNvPicPr>
+          <p:nvPr>
+            <p:ph idx="1"/>
+          </p:nvPr>
+        </p:nvPicPr>
+        <p:blipFill>
+          <a:blip r:embed="rId2">
+            <a:extLst>
+              <a:ext uri="{28A0092B-C50C-407E-A947-70E740481C1C}">
+                <a14:useLocalDpi xmlns:a14="http://schemas.microsoft.com/office/drawing/2010/main" val="0"/>
+              </a:ext>
+            </a:extLst>
+          </a:blip>
+          <a:stretch>
+            <a:fillRect/>
+          </a:stretch>
+        </p:blipFill>
+        <p:spPr>
+          <a:xfrm>
+            <a:off x="1927291" y="1825625"/>
+            <a:ext cx="8337417" cy="4351338"/>
+          </a:xfrm>
+        </p:spPr>
+      </p:pic>
+    </p:spTree>
+    <p:extLst>
+      <p:ext uri="{BB962C8B-B14F-4D97-AF65-F5344CB8AC3E}">
+        <p14:creationId xmlns:p14="http://schemas.microsoft.com/office/powerpoint/2010/main" val="16701529"/>
+      </p:ext>
+    </p:extLst>
+  </p:cSld>
+  <p:clrMapOvr>
+    <a:masterClrMapping/>
+  </p:clrMapOvr>
+  <p:timing>
+    <p:tnLst>
+      <p:par>
+        <p:cTn id="1" dur="indefinite" restart="never" nodeType="tmRoot"/>
+      </p:par>
+    </p:tnLst>
+  </p:timing>
+</p:sld>
+</file>
+
+<file path=ppt/slides/slide12.xml><?xml version="1.0" encoding="utf-8"?>
+<p:sld xmlns:a="http://schemas.openxmlformats.org/drawingml/2006/main" xmlns:r="http://schemas.openxmlformats.org/officeDocument/2006/relationships" xmlns:p="http://schemas.openxmlformats.org/presentationml/2006/main">
+  <p:cSld>
+    <p:spTree>
+      <p:nvGrpSpPr>
+        <p:cNvPr id="1" name=""/>
+        <p:cNvGrpSpPr/>
+        <p:nvPr/>
+      </p:nvGrpSpPr>
+      <p:grpSpPr>
+        <a:xfrm>
+          <a:off x="0" y="0"/>
+          <a:ext cx="0" cy="0"/>
+          <a:chOff x="0" y="0"/>
+          <a:chExt cx="0" cy="0"/>
+        </a:xfrm>
+      </p:grpSpPr>
+      <p:sp>
+        <p:nvSpPr>
+          <p:cNvPr id="2" name="Título 1"/>
+          <p:cNvSpPr>
+            <a:spLocks noGrp="1"/>
+          </p:cNvSpPr>
+          <p:nvPr>
+            <p:ph type="title"/>
+          </p:nvPr>
+        </p:nvSpPr>
+        <p:spPr>
+          <a:xfrm>
+            <a:off x="2876006" y="286750"/>
+            <a:ext cx="6699069" cy="758280"/>
+          </a:xfrm>
+        </p:spPr>
+        <p:txBody>
+          <a:bodyPr>
+            <a:normAutofit/>
+          </a:bodyPr>
+          <a:lstStyle/>
+          <a:p>
+            <a:r>
+              <a:rPr lang="pt-BR" dirty="0" smtClean="0"/>
+              <a:t>Modelo conceitual</a:t>
+            </a:r>
+            <a:endParaRPr lang="pt-BR" dirty="0"/>
+          </a:p>
+        </p:txBody>
+      </p:sp>
+      <p:pic>
+        <p:nvPicPr>
+          <p:cNvPr id="5" name="Espaço Reservado para Conteúdo 4"/>
+          <p:cNvPicPr>
+            <a:picLocks noGrp="1" noChangeAspect="1"/>
+          </p:cNvPicPr>
+          <p:nvPr>
+            <p:ph idx="1"/>
+          </p:nvPr>
+        </p:nvPicPr>
+        <p:blipFill>
+          <a:blip r:embed="rId2">
+            <a:extLst>
+              <a:ext uri="{28A0092B-C50C-407E-A947-70E740481C1C}">
+                <a14:useLocalDpi xmlns:a14="http://schemas.microsoft.com/office/drawing/2010/main" val="0"/>
+              </a:ext>
+            </a:extLst>
+          </a:blip>
+          <a:stretch>
+            <a:fillRect/>
+          </a:stretch>
+        </p:blipFill>
+        <p:spPr>
+          <a:xfrm>
+            <a:off x="2233960" y="1323349"/>
+            <a:ext cx="5740734" cy="4351338"/>
+          </a:xfrm>
+        </p:spPr>
+      </p:pic>
+    </p:spTree>
+    <p:extLst>
+      <p:ext uri="{BB962C8B-B14F-4D97-AF65-F5344CB8AC3E}">
+        <p14:creationId xmlns:p14="http://schemas.microsoft.com/office/powerpoint/2010/main" val="2011277102"/>
+      </p:ext>
+    </p:extLst>
+  </p:cSld>
+  <p:clrMapOvr>
+    <a:masterClrMapping/>
+  </p:clrMapOvr>
+  <p:timing>
+    <p:tnLst>
+      <p:par>
+        <p:cTn id="1" dur="indefinite" restart="never" nodeType="tmRoot"/>
+      </p:par>
+    </p:tnLst>
+  </p:timing>
+</p:sld>
+</file>
+
+<file path=ppt/slides/slide13.xml><?xml version="1.0" encoding="utf-8"?>
+<p:sld xmlns:a="http://schemas.openxmlformats.org/drawingml/2006/main" xmlns:r="http://schemas.openxmlformats.org/officeDocument/2006/relationships" xmlns:p="http://schemas.openxmlformats.org/presentationml/2006/main">
+  <p:cSld>
+    <p:spTree>
+      <p:nvGrpSpPr>
+        <p:cNvPr id="1" name=""/>
+        <p:cNvGrpSpPr/>
+        <p:nvPr/>
+      </p:nvGrpSpPr>
+      <p:grpSpPr>
+        <a:xfrm>
+          <a:off x="0" y="0"/>
+          <a:ext cx="0" cy="0"/>
+          <a:chOff x="0" y="0"/>
+          <a:chExt cx="0" cy="0"/>
+        </a:xfrm>
+      </p:grpSpPr>
+      <p:sp>
+        <p:nvSpPr>
+          <p:cNvPr id="2" name="Título 1"/>
+          <p:cNvSpPr>
+            <a:spLocks noGrp="1"/>
+          </p:cNvSpPr>
+          <p:nvPr>
+            <p:ph type="title"/>
+          </p:nvPr>
+        </p:nvSpPr>
+        <p:spPr>
+          <a:xfrm>
+            <a:off x="1974485" y="286750"/>
+            <a:ext cx="6699069" cy="758280"/>
+          </a:xfrm>
+        </p:spPr>
+        <p:txBody>
+          <a:bodyPr>
+            <a:normAutofit/>
+          </a:bodyPr>
+          <a:lstStyle/>
+          <a:p>
+            <a:r>
+              <a:rPr lang="pt-BR" dirty="0" smtClean="0"/>
+              <a:t>Script de criação</a:t>
+            </a:r>
+            <a:endParaRPr lang="pt-BR" dirty="0"/>
+          </a:p>
+        </p:txBody>
+      </p:sp>
+      <p:pic>
+        <p:nvPicPr>
+          <p:cNvPr id="8" name="Espaço Reservado para Conteúdo 7"/>
+          <p:cNvPicPr>
+            <a:picLocks noGrp="1" noChangeAspect="1"/>
+          </p:cNvPicPr>
+          <p:nvPr>
+            <p:ph idx="1"/>
+          </p:nvPr>
+        </p:nvPicPr>
+        <p:blipFill>
+          <a:blip r:embed="rId2">
+            <a:extLst>
+              <a:ext uri="{28A0092B-C50C-407E-A947-70E740481C1C}">
+                <a14:useLocalDpi xmlns:a14="http://schemas.microsoft.com/office/drawing/2010/main" val="0"/>
+              </a:ext>
+            </a:extLst>
+          </a:blip>
+          <a:stretch>
+            <a:fillRect/>
+          </a:stretch>
+        </p:blipFill>
+        <p:spPr>
+          <a:xfrm>
+            <a:off x="917800" y="1374864"/>
+            <a:ext cx="8812438" cy="4351338"/>
+          </a:xfrm>
+        </p:spPr>
+      </p:pic>
+    </p:spTree>
+    <p:extLst>
+      <p:ext uri="{BB962C8B-B14F-4D97-AF65-F5344CB8AC3E}">
+        <p14:creationId xmlns:p14="http://schemas.microsoft.com/office/powerpoint/2010/main" val="1901380290"/>
+      </p:ext>
+    </p:extLst>
+  </p:cSld>
+  <p:clrMapOvr>
+    <a:masterClrMapping/>
+  </p:clrMapOvr>
+  <p:timing>
+    <p:tnLst>
+      <p:par>
+        <p:cTn id="1" dur="indefinite" restart="never" nodeType="tmRoot"/>
+      </p:par>
+    </p:tnLst>
+  </p:timing>
+</p:sld>
+</file>
+
+<file path=ppt/slides/slide14.xml><?xml version="1.0" encoding="utf-8"?>
+<p:sld xmlns:a="http://schemas.openxmlformats.org/drawingml/2006/main" xmlns:r="http://schemas.openxmlformats.org/officeDocument/2006/relationships" xmlns:p="http://schemas.openxmlformats.org/presentationml/2006/main">
+  <p:cSld>
+    <p:spTree>
+      <p:nvGrpSpPr>
+        <p:cNvPr id="1" name=""/>
+        <p:cNvGrpSpPr/>
+        <p:nvPr/>
+      </p:nvGrpSpPr>
+      <p:grpSpPr>
+        <a:xfrm>
+          <a:off x="0" y="0"/>
+          <a:ext cx="0" cy="0"/>
+          <a:chOff x="0" y="0"/>
+          <a:chExt cx="0" cy="0"/>
+        </a:xfrm>
+      </p:grpSpPr>
+      <p:sp>
+        <p:nvSpPr>
+          <p:cNvPr id="2" name="Título 1"/>
+          <p:cNvSpPr>
+            <a:spLocks noGrp="1"/>
+          </p:cNvSpPr>
+          <p:nvPr>
+            <p:ph type="title"/>
+          </p:nvPr>
+        </p:nvSpPr>
+        <p:spPr>
+          <a:xfrm>
+            <a:off x="1974485" y="286750"/>
+            <a:ext cx="6699069" cy="758280"/>
+          </a:xfrm>
+        </p:spPr>
+        <p:txBody>
+          <a:bodyPr>
+            <a:normAutofit/>
+          </a:bodyPr>
+          <a:lstStyle/>
+          <a:p>
+            <a:r>
+              <a:rPr lang="pt-BR" dirty="0" smtClean="0"/>
+              <a:t>Script de criação</a:t>
+            </a:r>
+            <a:endParaRPr lang="pt-BR" dirty="0"/>
+          </a:p>
+        </p:txBody>
+      </p:sp>
+      <p:pic>
+        <p:nvPicPr>
+          <p:cNvPr id="4" name="Espaço Reservado para Conteúdo 3"/>
+          <p:cNvPicPr>
+            <a:picLocks noGrp="1" noChangeAspect="1"/>
+          </p:cNvPicPr>
+          <p:nvPr>
+            <p:ph idx="1"/>
+          </p:nvPr>
+        </p:nvPicPr>
+        <p:blipFill>
+          <a:blip r:embed="rId2">
+            <a:extLst>
+              <a:ext uri="{28A0092B-C50C-407E-A947-70E740481C1C}">
+                <a14:useLocalDpi xmlns:a14="http://schemas.microsoft.com/office/drawing/2010/main" val="0"/>
+              </a:ext>
+            </a:extLst>
+          </a:blip>
+          <a:stretch>
+            <a:fillRect/>
+          </a:stretch>
+        </p:blipFill>
+        <p:spPr>
+          <a:xfrm>
+            <a:off x="1123960" y="929119"/>
+            <a:ext cx="7755656" cy="3829613"/>
+          </a:xfrm>
+        </p:spPr>
+      </p:pic>
+      <p:pic>
+        <p:nvPicPr>
+          <p:cNvPr id="6" name="Imagem 5"/>
+          <p:cNvPicPr>
+            <a:picLocks noChangeAspect="1"/>
+          </p:cNvPicPr>
+          <p:nvPr/>
+        </p:nvPicPr>
+        <p:blipFill>
+          <a:blip r:embed="rId3">
+            <a:extLst>
+              <a:ext uri="{28A0092B-C50C-407E-A947-70E740481C1C}">
+                <a14:useLocalDpi xmlns:a14="http://schemas.microsoft.com/office/drawing/2010/main" val="0"/>
+              </a:ext>
+            </a:extLst>
+          </a:blip>
+          <a:stretch>
+            <a:fillRect/>
+          </a:stretch>
+        </p:blipFill>
+        <p:spPr>
+          <a:xfrm>
+            <a:off x="1058500" y="5067050"/>
+            <a:ext cx="7821116" cy="1790950"/>
+          </a:xfrm>
+          <a:prstGeom prst="rect">
+            <a:avLst/>
+          </a:prstGeom>
+        </p:spPr>
+      </p:pic>
+    </p:spTree>
+    <p:extLst>
+      <p:ext uri="{BB962C8B-B14F-4D97-AF65-F5344CB8AC3E}">
+        <p14:creationId xmlns:p14="http://schemas.microsoft.com/office/powerpoint/2010/main" val="3303553222"/>
+      </p:ext>
+    </p:extLst>
+  </p:cSld>
+  <p:clrMapOvr>
+    <a:masterClrMapping/>
+  </p:clrMapOvr>
+  <p:timing>
+    <p:tnLst>
+      <p:par>
+        <p:cTn id="1" dur="indefinite" restart="never" nodeType="tmRoot"/>
+      </p:par>
+    </p:tnLst>
+  </p:timing>
+</p:sld>
+</file>
+
+<file path=ppt/slides/slide15.xml><?xml version="1.0" encoding="utf-8"?>
+<p:sld xmlns:a="http://schemas.openxmlformats.org/drawingml/2006/main" xmlns:r="http://schemas.openxmlformats.org/officeDocument/2006/relationships" xmlns:p="http://schemas.openxmlformats.org/presentationml/2006/main">
+  <p:cSld>
+    <p:spTree>
+      <p:nvGrpSpPr>
+        <p:cNvPr id="1" name=""/>
+        <p:cNvGrpSpPr/>
+        <p:nvPr/>
+      </p:nvGrpSpPr>
+      <p:grpSpPr>
+        <a:xfrm>
+          <a:off x="0" y="0"/>
+          <a:ext cx="0" cy="0"/>
+          <a:chOff x="0" y="0"/>
+          <a:chExt cx="0" cy="0"/>
+        </a:xfrm>
+      </p:grpSpPr>
+      <p:sp>
+        <p:nvSpPr>
+          <p:cNvPr id="2" name="Título 1"/>
+          <p:cNvSpPr>
+            <a:spLocks noGrp="1"/>
+          </p:cNvSpPr>
+          <p:nvPr>
+            <p:ph type="title"/>
+          </p:nvPr>
+        </p:nvSpPr>
+        <p:spPr>
+          <a:xfrm>
+            <a:off x="2876006" y="286750"/>
+            <a:ext cx="6699069" cy="758280"/>
+          </a:xfrm>
+        </p:spPr>
+        <p:txBody>
+          <a:bodyPr>
+            <a:normAutofit/>
+          </a:bodyPr>
+          <a:lstStyle/>
+          <a:p>
+            <a:r>
+              <a:rPr lang="pt-BR" dirty="0" smtClean="0"/>
+              <a:t>Modelo conceitual</a:t>
+            </a:r>
+            <a:endParaRPr lang="pt-BR" dirty="0"/>
+          </a:p>
+        </p:txBody>
+      </p:sp>
+      <p:pic>
+        <p:nvPicPr>
+          <p:cNvPr id="5" name="Espaço Reservado para Conteúdo 4"/>
+          <p:cNvPicPr>
+            <a:picLocks noGrp="1" noChangeAspect="1"/>
+          </p:cNvPicPr>
+          <p:nvPr>
+            <p:ph idx="1"/>
+          </p:nvPr>
+        </p:nvPicPr>
+        <p:blipFill>
+          <a:blip r:embed="rId2">
+            <a:extLst>
+              <a:ext uri="{28A0092B-C50C-407E-A947-70E740481C1C}">
+                <a14:useLocalDpi xmlns:a14="http://schemas.microsoft.com/office/drawing/2010/main" val="0"/>
+              </a:ext>
+            </a:extLst>
+          </a:blip>
+          <a:stretch>
+            <a:fillRect/>
+          </a:stretch>
+        </p:blipFill>
+        <p:spPr>
+          <a:xfrm>
+            <a:off x="2233960" y="1323349"/>
+            <a:ext cx="5740734" cy="4351338"/>
+          </a:xfrm>
+        </p:spPr>
+      </p:pic>
+    </p:spTree>
+    <p:extLst>
+      <p:ext uri="{BB962C8B-B14F-4D97-AF65-F5344CB8AC3E}">
+        <p14:creationId xmlns:p14="http://schemas.microsoft.com/office/powerpoint/2010/main" val="3834920981"/>
+      </p:ext>
+    </p:extLst>
+  </p:cSld>
+  <p:clrMapOvr>
+    <a:masterClrMapping/>
+  </p:clrMapOvr>
+  <p:timing>
+    <p:tnLst>
+      <p:par>
+        <p:cTn id="1" dur="indefinite" restart="never" nodeType="tmRoot"/>
+      </p:par>
+    </p:tnLst>
+  </p:timing>
+</p:sld>
+</file>
+
 <file path=ppt/slides/slide2.xml><?xml version="1.0" encoding="utf-8"?>
 <p:sld xmlns:a="http://schemas.openxmlformats.org/drawingml/2006/main" xmlns:r="http://schemas.openxmlformats.org/officeDocument/2006/relationships" xmlns:p="http://schemas.openxmlformats.org/presentationml/2006/main">
   <p:cSld>
@@ -5326,6 +5943,13 @@
   <p:clrMapOvr>
     <a:masterClrMapping/>
   </p:clrMapOvr>
+  <p:timing>
+    <p:tnLst>
+      <p:par>
+        <p:cTn id="1" dur="indefinite" restart="never" nodeType="tmRoot"/>
+      </p:par>
+    </p:tnLst>
+  </p:timing>
 </p:sld>
 </file>
 
@@ -5422,13 +6046,8 @@
             </a:r>
             <a:r>
               <a:rPr lang="pt-BR" dirty="0" smtClean="0"/>
-              <a:t>usuário usando a seguintes tecnologias</a:t>
-            </a:r>
-            <a:r>
-              <a:rPr lang="pt-BR" dirty="0" smtClean="0"/>
-              <a:t>:</a:t>
-            </a:r>
-            <a:endParaRPr lang="pt-BR" dirty="0" smtClean="0"/>
+              <a:t>usuário usando a seguintes tecnologias:</a:t>
+            </a:r>
           </a:p>
           <a:p>
             <a:pPr marL="514350" indent="-514350">
@@ -5496,6 +6115,13 @@
   <p:clrMapOvr>
     <a:masterClrMapping/>
   </p:clrMapOvr>
+  <p:timing>
+    <p:tnLst>
+      <p:par>
+        <p:cTn id="1" dur="indefinite" restart="never" nodeType="tmRoot"/>
+      </p:par>
+    </p:tnLst>
+  </p:timing>
 </p:sld>
 </file>
 
@@ -5583,6 +6209,13 @@
   <p:clrMapOvr>
     <a:masterClrMapping/>
   </p:clrMapOvr>
+  <p:timing>
+    <p:tnLst>
+      <p:par>
+        <p:cTn id="1" dur="indefinite" restart="never" nodeType="tmRoot"/>
+      </p:par>
+    </p:tnLst>
+  </p:timing>
 </p:sld>
 </file>
 
@@ -5672,89 +6305,17 @@
   <p:clrMapOvr>
     <a:masterClrMapping/>
   </p:clrMapOvr>
+  <p:timing>
+    <p:tnLst>
+      <p:par>
+        <p:cTn id="1" dur="indefinite" restart="never" nodeType="tmRoot"/>
+      </p:par>
+    </p:tnLst>
+  </p:timing>
 </p:sld>
 </file>
 
 <file path=ppt/slides/slide7.xml><?xml version="1.0" encoding="utf-8"?>
-<p:sld xmlns:a="http://schemas.openxmlformats.org/drawingml/2006/main" xmlns:r="http://schemas.openxmlformats.org/officeDocument/2006/relationships" xmlns:p="http://schemas.openxmlformats.org/presentationml/2006/main">
-  <p:cSld>
-    <p:spTree>
-      <p:nvGrpSpPr>
-        <p:cNvPr id="1" name=""/>
-        <p:cNvGrpSpPr/>
-        <p:nvPr/>
-      </p:nvGrpSpPr>
-      <p:grpSpPr>
-        <a:xfrm>
-          <a:off x="0" y="0"/>
-          <a:ext cx="0" cy="0"/>
-          <a:chOff x="0" y="0"/>
-          <a:chExt cx="0" cy="0"/>
-        </a:xfrm>
-      </p:grpSpPr>
-      <p:sp>
-        <p:nvSpPr>
-          <p:cNvPr id="2" name="Título 1"/>
-          <p:cNvSpPr>
-            <a:spLocks noGrp="1"/>
-          </p:cNvSpPr>
-          <p:nvPr>
-            <p:ph type="title"/>
-          </p:nvPr>
-        </p:nvSpPr>
-        <p:spPr>
-          <a:xfrm>
-            <a:off x="3868783" y="352063"/>
-            <a:ext cx="6699069" cy="758280"/>
-          </a:xfrm>
-        </p:spPr>
-        <p:txBody>
-          <a:bodyPr>
-            <a:normAutofit/>
-          </a:bodyPr>
-          <a:lstStyle/>
-          <a:p>
-            <a:r>
-              <a:rPr lang="pt-BR" dirty="0" err="1" smtClean="0"/>
-              <a:t>Backlog</a:t>
-            </a:r>
-            <a:endParaRPr lang="pt-BR" dirty="0"/>
-          </a:p>
-        </p:txBody>
-      </p:sp>
-      <p:sp>
-        <p:nvSpPr>
-          <p:cNvPr id="3" name="Espaço Reservado para Conteúdo 2"/>
-          <p:cNvSpPr>
-            <a:spLocks noGrp="1"/>
-          </p:cNvSpPr>
-          <p:nvPr>
-            <p:ph idx="1"/>
-          </p:nvPr>
-        </p:nvSpPr>
-        <p:spPr/>
-        <p:txBody>
-          <a:bodyPr/>
-          <a:lstStyle/>
-          <a:p>
-            <a:endParaRPr lang="pt-BR"/>
-          </a:p>
-        </p:txBody>
-      </p:sp>
-    </p:spTree>
-    <p:extLst>
-      <p:ext uri="{BB962C8B-B14F-4D97-AF65-F5344CB8AC3E}">
-        <p14:creationId xmlns:p14="http://schemas.microsoft.com/office/powerpoint/2010/main" val="1607867085"/>
-      </p:ext>
-    </p:extLst>
-  </p:cSld>
-  <p:clrMapOvr>
-    <a:masterClrMapping/>
-  </p:clrMapOvr>
-</p:sld>
-</file>
-
-<file path=ppt/slides/slide8.xml><?xml version="1.0" encoding="utf-8"?>
 <p:sld xmlns:a="http://schemas.openxmlformats.org/drawingml/2006/main" xmlns:r="http://schemas.openxmlformats.org/officeDocument/2006/relationships" xmlns:p="http://schemas.openxmlformats.org/presentationml/2006/main">
   <p:cSld>
     <p:spTree>
@@ -5844,6 +6405,242 @@
   <p:clrMapOvr>
     <a:masterClrMapping/>
   </p:clrMapOvr>
+  <p:timing>
+    <p:tnLst>
+      <p:par>
+        <p:cTn id="1" dur="indefinite" restart="never" nodeType="tmRoot"/>
+      </p:par>
+    </p:tnLst>
+  </p:timing>
+</p:sld>
+</file>
+
+<file path=ppt/slides/slide8.xml><?xml version="1.0" encoding="utf-8"?>
+<p:sld xmlns:a="http://schemas.openxmlformats.org/drawingml/2006/main" xmlns:r="http://schemas.openxmlformats.org/officeDocument/2006/relationships" xmlns:p="http://schemas.openxmlformats.org/presentationml/2006/main">
+  <p:cSld>
+    <p:spTree>
+      <p:nvGrpSpPr>
+        <p:cNvPr id="1" name=""/>
+        <p:cNvGrpSpPr/>
+        <p:nvPr/>
+      </p:nvGrpSpPr>
+      <p:grpSpPr>
+        <a:xfrm>
+          <a:off x="0" y="0"/>
+          <a:ext cx="0" cy="0"/>
+          <a:chOff x="0" y="0"/>
+          <a:chExt cx="0" cy="0"/>
+        </a:xfrm>
+      </p:grpSpPr>
+      <p:sp>
+        <p:nvSpPr>
+          <p:cNvPr id="2" name="Título 1"/>
+          <p:cNvSpPr>
+            <a:spLocks noGrp="1"/>
+          </p:cNvSpPr>
+          <p:nvPr>
+            <p:ph type="title"/>
+          </p:nvPr>
+        </p:nvSpPr>
+        <p:spPr>
+          <a:xfrm>
+            <a:off x="3868783" y="352063"/>
+            <a:ext cx="6699069" cy="758280"/>
+          </a:xfrm>
+        </p:spPr>
+        <p:txBody>
+          <a:bodyPr>
+            <a:normAutofit/>
+          </a:bodyPr>
+          <a:lstStyle/>
+          <a:p>
+            <a:r>
+              <a:rPr lang="pt-BR" dirty="0" err="1" smtClean="0"/>
+              <a:t>Analytics</a:t>
+            </a:r>
+            <a:endParaRPr lang="pt-BR" dirty="0"/>
+          </a:p>
+        </p:txBody>
+      </p:sp>
+      <p:pic>
+        <p:nvPicPr>
+          <p:cNvPr id="5" name="Espaço Reservado para Conteúdo 4"/>
+          <p:cNvPicPr>
+            <a:picLocks noGrp="1" noChangeAspect="1"/>
+          </p:cNvPicPr>
+          <p:nvPr>
+            <p:ph idx="1"/>
+          </p:nvPr>
+        </p:nvPicPr>
+        <p:blipFill>
+          <a:blip r:embed="rId2">
+            <a:extLst>
+              <a:ext uri="{28A0092B-C50C-407E-A947-70E740481C1C}">
+                <a14:useLocalDpi xmlns:a14="http://schemas.microsoft.com/office/drawing/2010/main" val="0"/>
+              </a:ext>
+            </a:extLst>
+          </a:blip>
+          <a:stretch>
+            <a:fillRect/>
+          </a:stretch>
+        </p:blipFill>
+        <p:spPr>
+          <a:xfrm>
+            <a:off x="455968" y="953036"/>
+            <a:ext cx="5464264" cy="2575775"/>
+          </a:xfrm>
+        </p:spPr>
+      </p:pic>
+      <p:pic>
+        <p:nvPicPr>
+          <p:cNvPr id="6" name="Imagem 5"/>
+          <p:cNvPicPr>
+            <a:picLocks noChangeAspect="1"/>
+          </p:cNvPicPr>
+          <p:nvPr/>
+        </p:nvPicPr>
+        <p:blipFill>
+          <a:blip r:embed="rId3">
+            <a:extLst>
+              <a:ext uri="{28A0092B-C50C-407E-A947-70E740481C1C}">
+                <a14:useLocalDpi xmlns:a14="http://schemas.microsoft.com/office/drawing/2010/main" val="0"/>
+              </a:ext>
+            </a:extLst>
+          </a:blip>
+          <a:stretch>
+            <a:fillRect/>
+          </a:stretch>
+        </p:blipFill>
+        <p:spPr>
+          <a:xfrm>
+            <a:off x="5102238" y="3723838"/>
+            <a:ext cx="5896320" cy="3016935"/>
+          </a:xfrm>
+          <a:prstGeom prst="rect">
+            <a:avLst/>
+          </a:prstGeom>
+        </p:spPr>
+      </p:pic>
+    </p:spTree>
+    <p:extLst>
+      <p:ext uri="{BB962C8B-B14F-4D97-AF65-F5344CB8AC3E}">
+        <p14:creationId xmlns:p14="http://schemas.microsoft.com/office/powerpoint/2010/main" val="220405136"/>
+      </p:ext>
+    </p:extLst>
+  </p:cSld>
+  <p:clrMapOvr>
+    <a:masterClrMapping/>
+  </p:clrMapOvr>
+  <p:timing>
+    <p:tnLst>
+      <p:par>
+        <p:cTn id="1" dur="indefinite" restart="never" nodeType="tmRoot"/>
+      </p:par>
+    </p:tnLst>
+  </p:timing>
+</p:sld>
+</file>
+
+<file path=ppt/slides/slide9.xml><?xml version="1.0" encoding="utf-8"?>
+<p:sld xmlns:a="http://schemas.openxmlformats.org/drawingml/2006/main" xmlns:r="http://schemas.openxmlformats.org/officeDocument/2006/relationships" xmlns:p="http://schemas.openxmlformats.org/presentationml/2006/main">
+  <p:cSld>
+    <p:spTree>
+      <p:nvGrpSpPr>
+        <p:cNvPr id="1" name=""/>
+        <p:cNvGrpSpPr/>
+        <p:nvPr/>
+      </p:nvGrpSpPr>
+      <p:grpSpPr>
+        <a:xfrm>
+          <a:off x="0" y="0"/>
+          <a:ext cx="0" cy="0"/>
+          <a:chOff x="0" y="0"/>
+          <a:chExt cx="0" cy="0"/>
+        </a:xfrm>
+      </p:grpSpPr>
+      <p:sp>
+        <p:nvSpPr>
+          <p:cNvPr id="2" name="Título 1"/>
+          <p:cNvSpPr>
+            <a:spLocks noGrp="1"/>
+          </p:cNvSpPr>
+          <p:nvPr>
+            <p:ph type="title"/>
+          </p:nvPr>
+        </p:nvSpPr>
+        <p:spPr>
+          <a:xfrm>
+            <a:off x="2876006" y="286750"/>
+            <a:ext cx="6699069" cy="758280"/>
+          </a:xfrm>
+        </p:spPr>
+        <p:txBody>
+          <a:bodyPr>
+            <a:normAutofit fontScale="90000"/>
+          </a:bodyPr>
+          <a:lstStyle/>
+          <a:p>
+            <a:r>
+              <a:rPr lang="pt-BR" dirty="0" err="1" smtClean="0"/>
+              <a:t>Trello</a:t>
+            </a:r>
+            <a:r>
+              <a:rPr lang="pt-BR" dirty="0" smtClean="0"/>
+              <a:t/>
+            </a:r>
+            <a:br>
+              <a:rPr lang="pt-BR" dirty="0" smtClean="0"/>
+            </a:br>
+            <a:endParaRPr lang="pt-BR" dirty="0"/>
+          </a:p>
+        </p:txBody>
+      </p:sp>
+      <p:pic>
+        <p:nvPicPr>
+          <p:cNvPr id="5" name="Espaço Reservado para Conteúdo 4"/>
+          <p:cNvPicPr>
+            <a:picLocks noGrp="1" noChangeAspect="1"/>
+          </p:cNvPicPr>
+          <p:nvPr>
+            <p:ph idx="1"/>
+          </p:nvPr>
+        </p:nvPicPr>
+        <p:blipFill>
+          <a:blip r:embed="rId2">
+            <a:extLst>
+              <a:ext uri="{28A0092B-C50C-407E-A947-70E740481C1C}">
+                <a14:useLocalDpi xmlns:a14="http://schemas.microsoft.com/office/drawing/2010/main" val="0"/>
+              </a:ext>
+            </a:extLst>
+          </a:blip>
+          <a:stretch>
+            <a:fillRect/>
+          </a:stretch>
+        </p:blipFill>
+        <p:spPr>
+          <a:xfrm>
+            <a:off x="1019695" y="1246075"/>
+            <a:ext cx="10047931" cy="5064571"/>
+          </a:xfrm>
+        </p:spPr>
+      </p:pic>
+    </p:spTree>
+    <p:extLst>
+      <p:ext uri="{BB962C8B-B14F-4D97-AF65-F5344CB8AC3E}">
+        <p14:creationId xmlns:p14="http://schemas.microsoft.com/office/powerpoint/2010/main" val="3815153466"/>
+      </p:ext>
+    </p:extLst>
+  </p:cSld>
+  <p:clrMapOvr>
+    <a:masterClrMapping/>
+  </p:clrMapOvr>
+  <p:timing>
+    <p:tnLst>
+      <p:par>
+        <p:cTn id="1" dur="indefinite" restart="never" nodeType="tmRoot"/>
+      </p:par>
+    </p:tnLst>
+  </p:timing>
 </p:sld>
 </file>
 
